--- a/2.项目PPT/计划细化修改ppt.pptx
+++ b/2.项目PPT/计划细化修改ppt.pptx
@@ -7,6 +7,8 @@
   <p:sldIdLst>
     <p:sldId id="256" r:id="rId2"/>
     <p:sldId id="257" r:id="rId3"/>
+    <p:sldId id="258" r:id="rId4"/>
+    <p:sldId id="259" r:id="rId5"/>
   </p:sldIdLst>
   <p:sldSz cx="9144000" cy="6858000" type="screen4x3"/>
   <p:notesSz cx="6858000" cy="9144000"/>
@@ -342,6 +344,9 @@
   <p:clrMapOvr>
     <a:masterClrMapping/>
   </p:clrMapOvr>
+  <p:transition spd="slow">
+    <p:push dir="u"/>
+  </p:transition>
 </p:sldLayout>
 </file>
 
@@ -507,6 +512,9 @@
   <p:clrMapOvr>
     <a:masterClrMapping/>
   </p:clrMapOvr>
+  <p:transition spd="slow">
+    <p:push dir="u"/>
+  </p:transition>
 </p:sldLayout>
 </file>
 
@@ -682,6 +690,9 @@
   <p:clrMapOvr>
     <a:masterClrMapping/>
   </p:clrMapOvr>
+  <p:transition spd="slow">
+    <p:push dir="u"/>
+  </p:transition>
 </p:sldLayout>
 </file>
 
@@ -847,6 +858,9 @@
   <p:clrMapOvr>
     <a:masterClrMapping/>
   </p:clrMapOvr>
+  <p:transition spd="slow">
+    <p:push dir="u"/>
+  </p:transition>
 </p:sldLayout>
 </file>
 
@@ -1088,6 +1102,9 @@
   <p:clrMapOvr>
     <a:masterClrMapping/>
   </p:clrMapOvr>
+  <p:transition spd="slow">
+    <p:push dir="u"/>
+  </p:transition>
 </p:sldLayout>
 </file>
 
@@ -1371,6 +1388,9 @@
   <p:clrMapOvr>
     <a:masterClrMapping/>
   </p:clrMapOvr>
+  <p:transition spd="slow">
+    <p:push dir="u"/>
+  </p:transition>
 </p:sldLayout>
 </file>
 
@@ -1788,6 +1808,9 @@
   <p:clrMapOvr>
     <a:masterClrMapping/>
   </p:clrMapOvr>
+  <p:transition spd="slow">
+    <p:push dir="u"/>
+  </p:transition>
 </p:sldLayout>
 </file>
 
@@ -1901,6 +1924,9 @@
   <p:clrMapOvr>
     <a:masterClrMapping/>
   </p:clrMapOvr>
+  <p:transition spd="slow">
+    <p:push dir="u"/>
+  </p:transition>
 </p:sldLayout>
 </file>
 
@@ -1991,6 +2017,9 @@
   <p:clrMapOvr>
     <a:masterClrMapping/>
   </p:clrMapOvr>
+  <p:transition spd="slow">
+    <p:push dir="u"/>
+  </p:transition>
 </p:sldLayout>
 </file>
 
@@ -2263,6 +2292,9 @@
   <p:clrMapOvr>
     <a:masterClrMapping/>
   </p:clrMapOvr>
+  <p:transition spd="slow">
+    <p:push dir="u"/>
+  </p:transition>
 </p:sldLayout>
 </file>
 
@@ -2511,6 +2543,9 @@
   <p:clrMapOvr>
     <a:masterClrMapping/>
   </p:clrMapOvr>
+  <p:transition spd="slow">
+    <p:push dir="u"/>
+  </p:transition>
 </p:sldLayout>
 </file>
 
@@ -2766,6 +2801,9 @@
     <p:sldLayoutId id="2147483658" r:id="rId10"/>
     <p:sldLayoutId id="2147483659" r:id="rId11"/>
   </p:sldLayoutIdLst>
+  <p:transition spd="slow">
+    <p:push dir="u"/>
+  </p:transition>
   <p:txStyles>
     <p:titleStyle>
       <a:lvl1pPr algn="ctr" defTabSz="914400" rtl="0" eaLnBrk="1" latinLnBrk="0" hangingPunct="1">
@@ -3109,6 +3147,16 @@
   <p:clrMapOvr>
     <a:masterClrMapping/>
   </p:clrMapOvr>
+  <p:transition spd="slow">
+    <p:push dir="u"/>
+  </p:transition>
+  <p:timing>
+    <p:tnLst>
+      <p:par>
+        <p:cTn id="1" dur="indefinite" restart="never" nodeType="tmRoot"/>
+      </p:par>
+    </p:tnLst>
+  </p:timing>
 </p:sld>
 </file>
 
@@ -3144,7 +3192,11 @@
           <a:bodyPr/>
           <a:lstStyle/>
           <a:p>
-            <a:endParaRPr lang="zh-CN" altLang="en-US"/>
+            <a:r>
+              <a:rPr lang="zh-CN" altLang="en-US" dirty="0" smtClean="0"/>
+              <a:t>修改概要</a:t>
+            </a:r>
+            <a:endParaRPr lang="zh-CN" altLang="en-US" dirty="0"/>
           </a:p>
         </p:txBody>
       </p:sp>
@@ -3158,15 +3210,287 @@
             <p:ph idx="1"/>
           </p:nvPr>
         </p:nvSpPr>
-        <p:spPr/>
+        <p:spPr>
+          <a:xfrm>
+            <a:off x="395536" y="1663500"/>
+            <a:ext cx="8229600" cy="4525963"/>
+          </a:xfrm>
+        </p:spPr>
         <p:txBody>
           <a:bodyPr/>
           <a:lstStyle/>
           <a:p>
-            <a:endParaRPr lang="zh-CN" altLang="en-US"/>
-          </a:p>
-        </p:txBody>
-      </p:sp>
+            <a:r>
+              <a:rPr lang="zh-CN" altLang="en-US" dirty="0"/>
+              <a:t>需求分析具体分工：</a:t>
+            </a:r>
+            <a:endParaRPr lang="en-US" altLang="zh-CN" dirty="0"/>
+          </a:p>
+          <a:p>
+            <a:pPr lvl="1"/>
+            <a:r>
+              <a:rPr lang="zh-CN" altLang="en-US" dirty="0"/>
+              <a:t>如 文档</a:t>
+            </a:r>
+            <a:r>
+              <a:rPr lang="zh-CN" altLang="en-US" dirty="0" smtClean="0"/>
+              <a:t>相关</a:t>
+            </a:r>
+            <a:r>
+              <a:rPr lang="en-US" altLang="zh-CN" dirty="0" smtClean="0">
+                <a:sym typeface="Wingdings" pitchFamily="2" charset="2"/>
+              </a:rPr>
+              <a:t></a:t>
+            </a:r>
+            <a:r>
+              <a:rPr lang="zh-CN" altLang="en-US" dirty="0" smtClean="0"/>
+              <a:t>黄新越</a:t>
+            </a:r>
+            <a:r>
+              <a:rPr lang="zh-CN" altLang="en-US" dirty="0"/>
+              <a:t>，模块分析</a:t>
+            </a:r>
+            <a:r>
+              <a:rPr lang="zh-CN" altLang="en-US" dirty="0" smtClean="0"/>
+              <a:t>相关</a:t>
+            </a:r>
+            <a:r>
+              <a:rPr lang="en-US" altLang="zh-CN" dirty="0" smtClean="0">
+                <a:sym typeface="Wingdings" pitchFamily="2" charset="2"/>
+              </a:rPr>
+              <a:t></a:t>
+            </a:r>
+            <a:r>
+              <a:rPr lang="zh-CN" altLang="en-US" dirty="0" smtClean="0"/>
+              <a:t>杨云</a:t>
+            </a:r>
+            <a:r>
+              <a:rPr lang="zh-CN" altLang="en-US" dirty="0"/>
+              <a:t>，扩展</a:t>
+            </a:r>
+            <a:r>
+              <a:rPr lang="zh-CN" altLang="en-US" dirty="0" smtClean="0"/>
+              <a:t>功能</a:t>
+            </a:r>
+            <a:r>
+              <a:rPr lang="en-US" altLang="zh-CN" dirty="0" smtClean="0">
+                <a:sym typeface="Wingdings" pitchFamily="2" charset="2"/>
+              </a:rPr>
+              <a:t></a:t>
+            </a:r>
+            <a:r>
+              <a:rPr lang="zh-CN" altLang="en-US" dirty="0" smtClean="0"/>
+              <a:t>李晓聪</a:t>
+            </a:r>
+            <a:r>
+              <a:rPr lang="zh-CN" altLang="en-US" dirty="0"/>
+              <a:t>，测试</a:t>
+            </a:r>
+            <a:r>
+              <a:rPr lang="zh-CN" altLang="en-US" dirty="0" smtClean="0"/>
+              <a:t>相关</a:t>
+            </a:r>
+            <a:r>
+              <a:rPr lang="en-US" altLang="zh-CN" dirty="0" smtClean="0">
+                <a:sym typeface="Wingdings" pitchFamily="2" charset="2"/>
+              </a:rPr>
+              <a:t></a:t>
+            </a:r>
+            <a:r>
+              <a:rPr lang="zh-CN" altLang="en-US" dirty="0" smtClean="0"/>
+              <a:t>余</a:t>
+            </a:r>
+            <a:r>
+              <a:rPr lang="zh-CN" altLang="en-US" dirty="0"/>
+              <a:t>锋伟</a:t>
+            </a:r>
+            <a:endParaRPr lang="en-US" altLang="zh-CN" dirty="0"/>
+          </a:p>
+          <a:p>
+            <a:r>
+              <a:rPr lang="zh-CN" altLang="en-US" dirty="0"/>
+              <a:t>已</a:t>
+            </a:r>
+            <a:r>
+              <a:rPr lang="zh-CN" altLang="en-US" dirty="0" smtClean="0"/>
+              <a:t>完成的项目，在</a:t>
+            </a:r>
+            <a:r>
+              <a:rPr lang="en-US" altLang="zh-CN" dirty="0" smtClean="0"/>
+              <a:t>MPP</a:t>
+            </a:r>
+            <a:r>
+              <a:rPr lang="zh-CN" altLang="en-US" dirty="0" smtClean="0"/>
+              <a:t>里设置成</a:t>
+            </a:r>
+            <a:r>
+              <a:rPr lang="en-US" altLang="zh-CN" dirty="0" smtClean="0"/>
+              <a:t>100%</a:t>
+            </a:r>
+          </a:p>
+          <a:p>
+            <a:pPr lvl="1"/>
+            <a:r>
+              <a:rPr lang="zh-CN" altLang="en-US" dirty="0" smtClean="0"/>
+              <a:t>如项目确定与介绍等项目</a:t>
+            </a:r>
+            <a:endParaRPr lang="en-US" altLang="zh-CN" dirty="0" smtClean="0"/>
+          </a:p>
+          <a:p>
+            <a:r>
+              <a:rPr lang="zh-CN" altLang="en-US" dirty="0" smtClean="0"/>
+              <a:t>规定里程碑</a:t>
+            </a:r>
+            <a:endParaRPr lang="en-US" altLang="zh-CN" dirty="0" smtClean="0"/>
+          </a:p>
+          <a:p>
+            <a:pPr lvl="1"/>
+            <a:r>
+              <a:rPr lang="zh-CN" altLang="en-US" dirty="0" smtClean="0"/>
+              <a:t>每节课为一里程碑</a:t>
+            </a:r>
+            <a:endParaRPr lang="en-US" altLang="zh-CN" dirty="0" smtClean="0"/>
+          </a:p>
+          <a:p>
+            <a:pPr lvl="1"/>
+            <a:endParaRPr lang="en-US" altLang="zh-CN" dirty="0" smtClean="0"/>
+          </a:p>
+          <a:p>
+            <a:pPr marL="457200" lvl="1" indent="0">
+              <a:buNone/>
+            </a:pPr>
+            <a:endParaRPr lang="zh-CN" altLang="en-US" dirty="0"/>
+          </a:p>
+        </p:txBody>
+      </p:sp>
+      <p:pic>
+        <p:nvPicPr>
+          <p:cNvPr id="1027" name="Picture 3"/>
+          <p:cNvPicPr>
+            <a:picLocks noChangeAspect="1" noChangeArrowheads="1"/>
+          </p:cNvPicPr>
+          <p:nvPr/>
+        </p:nvPicPr>
+        <p:blipFill>
+          <a:blip r:embed="rId2">
+            <a:extLst>
+              <a:ext uri="{28A0092B-C50C-407E-A947-70E740481C1C}">
+                <a14:useLocalDpi xmlns:a14="http://schemas.microsoft.com/office/drawing/2010/main" val="0"/>
+              </a:ext>
+            </a:extLst>
+          </a:blip>
+          <a:srcRect/>
+          <a:stretch>
+            <a:fillRect/>
+          </a:stretch>
+        </p:blipFill>
+        <p:spPr bwMode="auto">
+          <a:xfrm>
+            <a:off x="683568" y="5354897"/>
+            <a:ext cx="7812868" cy="504056"/>
+          </a:xfrm>
+          <a:prstGeom prst="rect">
+            <a:avLst/>
+          </a:prstGeom>
+          <a:noFill/>
+          <a:ln>
+            <a:noFill/>
+          </a:ln>
+          <a:effectLst/>
+          <a:extLst>
+            <a:ext uri="{909E8E84-426E-40DD-AFC4-6F175D3DCCD1}">
+              <a14:hiddenFill xmlns:a14="http://schemas.microsoft.com/office/drawing/2010/main">
+                <a:solidFill>
+                  <a:schemeClr val="accent1"/>
+                </a:solidFill>
+              </a14:hiddenFill>
+            </a:ext>
+            <a:ext uri="{91240B29-F687-4F45-9708-019B960494DF}">
+              <a14:hiddenLine xmlns:a14="http://schemas.microsoft.com/office/drawing/2010/main" w="9525">
+                <a:solidFill>
+                  <a:schemeClr val="tx1"/>
+                </a:solidFill>
+                <a:miter lim="800000"/>
+                <a:headEnd/>
+                <a:tailEnd/>
+              </a14:hiddenLine>
+            </a:ext>
+            <a:ext uri="{AF507438-7753-43E0-B8FC-AC1667EBCBE1}">
+              <a14:hiddenEffects xmlns:a14="http://schemas.microsoft.com/office/drawing/2010/main">
+                <a:effectLst>
+                  <a:outerShdw dist="35921" dir="2700000" algn="ctr" rotWithShape="0">
+                    <a:schemeClr val="bg2"/>
+                  </a:outerShdw>
+                </a:effectLst>
+              </a14:hiddenEffects>
+            </a:ext>
+          </a:extLst>
+        </p:spPr>
+      </p:pic>
+      <p:pic>
+        <p:nvPicPr>
+          <p:cNvPr id="1030" name="Picture 6"/>
+          <p:cNvPicPr>
+            <a:picLocks noChangeAspect="1" noChangeArrowheads="1"/>
+          </p:cNvPicPr>
+          <p:nvPr/>
+        </p:nvPicPr>
+        <p:blipFill>
+          <a:blip r:embed="rId3">
+            <a:extLst>
+              <a:ext uri="{28A0092B-C50C-407E-A947-70E740481C1C}">
+                <a14:useLocalDpi xmlns:a14="http://schemas.microsoft.com/office/drawing/2010/main" val="0"/>
+              </a:ext>
+            </a:extLst>
+          </a:blip>
+          <a:srcRect/>
+          <a:stretch>
+            <a:fillRect/>
+          </a:stretch>
+        </p:blipFill>
+        <p:spPr bwMode="auto">
+          <a:xfrm>
+            <a:off x="501024" y="6052719"/>
+            <a:ext cx="8177955" cy="559860"/>
+          </a:xfrm>
+          <a:prstGeom prst="rect">
+            <a:avLst/>
+          </a:prstGeom>
+          <a:noFill/>
+          <a:ln>
+            <a:noFill/>
+          </a:ln>
+          <a:effectLst/>
+          <a:extLst>
+            <a:ext uri="{909E8E84-426E-40DD-AFC4-6F175D3DCCD1}">
+              <a14:hiddenFill xmlns:a14="http://schemas.microsoft.com/office/drawing/2010/main">
+                <a:solidFill>
+                  <a:schemeClr val="accent1"/>
+                </a:solidFill>
+              </a14:hiddenFill>
+            </a:ext>
+            <a:ext uri="{91240B29-F687-4F45-9708-019B960494DF}">
+              <a14:hiddenLine xmlns:a14="http://schemas.microsoft.com/office/drawing/2010/main" w="9525">
+                <a:solidFill>
+                  <a:schemeClr val="tx1"/>
+                </a:solidFill>
+                <a:miter lim="800000"/>
+                <a:headEnd/>
+                <a:tailEnd/>
+              </a14:hiddenLine>
+            </a:ext>
+            <a:ext uri="{AF507438-7753-43E0-B8FC-AC1667EBCBE1}">
+              <a14:hiddenEffects xmlns:a14="http://schemas.microsoft.com/office/drawing/2010/main">
+                <a:effectLst>
+                  <a:outerShdw dist="35921" dir="2700000" algn="ctr" rotWithShape="0">
+                    <a:schemeClr val="bg2"/>
+                  </a:outerShdw>
+                </a:effectLst>
+              </a14:hiddenEffects>
+            </a:ext>
+          </a:extLst>
+        </p:spPr>
+      </p:pic>
     </p:spTree>
     <p:extLst>
       <p:ext uri="{BB962C8B-B14F-4D97-AF65-F5344CB8AC3E}">
@@ -3177,6 +3501,1632 @@
   <p:clrMapOvr>
     <a:masterClrMapping/>
   </p:clrMapOvr>
+  <p:transition spd="slow">
+    <p:push dir="u"/>
+  </p:transition>
+  <p:timing>
+    <p:tnLst>
+      <p:par>
+        <p:cTn id="1" dur="indefinite" restart="never" nodeType="tmRoot">
+          <p:childTnLst>
+            <p:seq concurrent="1" nextAc="seek">
+              <p:cTn id="2" dur="indefinite" nodeType="mainSeq">
+                <p:childTnLst>
+                  <p:par>
+                    <p:cTn id="3" fill="hold">
+                      <p:stCondLst>
+                        <p:cond delay="indefinite"/>
+                      </p:stCondLst>
+                      <p:childTnLst>
+                        <p:par>
+                          <p:cTn id="4" fill="hold">
+                            <p:stCondLst>
+                              <p:cond delay="0"/>
+                            </p:stCondLst>
+                            <p:childTnLst>
+                              <p:par>
+                                <p:cTn id="5" presetID="10" presetClass="entr" presetSubtype="0" fill="hold" grpId="0" nodeType="clickEffect">
+                                  <p:stCondLst>
+                                    <p:cond delay="0"/>
+                                  </p:stCondLst>
+                                  <p:childTnLst>
+                                    <p:set>
+                                      <p:cBhvr>
+                                        <p:cTn id="6" dur="1" fill="hold">
+                                          <p:stCondLst>
+                                            <p:cond delay="0"/>
+                                          </p:stCondLst>
+                                        </p:cTn>
+                                        <p:tgtEl>
+                                          <p:spTgt spid="3">
+                                            <p:txEl>
+                                              <p:pRg st="0" end="0"/>
+                                            </p:txEl>
+                                          </p:spTgt>
+                                        </p:tgtEl>
+                                        <p:attrNameLst>
+                                          <p:attrName>style.visibility</p:attrName>
+                                        </p:attrNameLst>
+                                      </p:cBhvr>
+                                      <p:to>
+                                        <p:strVal val="visible"/>
+                                      </p:to>
+                                    </p:set>
+                                    <p:animEffect transition="in" filter="fade">
+                                      <p:cBhvr>
+                                        <p:cTn id="7" dur="500"/>
+                                        <p:tgtEl>
+                                          <p:spTgt spid="3">
+                                            <p:txEl>
+                                              <p:pRg st="0" end="0"/>
+                                            </p:txEl>
+                                          </p:spTgt>
+                                        </p:tgtEl>
+                                      </p:cBhvr>
+                                    </p:animEffect>
+                                  </p:childTnLst>
+                                </p:cTn>
+                              </p:par>
+                            </p:childTnLst>
+                          </p:cTn>
+                        </p:par>
+                      </p:childTnLst>
+                    </p:cTn>
+                  </p:par>
+                  <p:par>
+                    <p:cTn id="8" fill="hold">
+                      <p:stCondLst>
+                        <p:cond delay="indefinite"/>
+                      </p:stCondLst>
+                      <p:childTnLst>
+                        <p:par>
+                          <p:cTn id="9" fill="hold">
+                            <p:stCondLst>
+                              <p:cond delay="0"/>
+                            </p:stCondLst>
+                            <p:childTnLst>
+                              <p:par>
+                                <p:cTn id="10" presetID="10" presetClass="entr" presetSubtype="0" fill="hold" grpId="0" nodeType="clickEffect">
+                                  <p:stCondLst>
+                                    <p:cond delay="0"/>
+                                  </p:stCondLst>
+                                  <p:childTnLst>
+                                    <p:set>
+                                      <p:cBhvr>
+                                        <p:cTn id="11" dur="1" fill="hold">
+                                          <p:stCondLst>
+                                            <p:cond delay="0"/>
+                                          </p:stCondLst>
+                                        </p:cTn>
+                                        <p:tgtEl>
+                                          <p:spTgt spid="3">
+                                            <p:txEl>
+                                              <p:pRg st="1" end="1"/>
+                                            </p:txEl>
+                                          </p:spTgt>
+                                        </p:tgtEl>
+                                        <p:attrNameLst>
+                                          <p:attrName>style.visibility</p:attrName>
+                                        </p:attrNameLst>
+                                      </p:cBhvr>
+                                      <p:to>
+                                        <p:strVal val="visible"/>
+                                      </p:to>
+                                    </p:set>
+                                    <p:animEffect transition="in" filter="fade">
+                                      <p:cBhvr>
+                                        <p:cTn id="12" dur="500"/>
+                                        <p:tgtEl>
+                                          <p:spTgt spid="3">
+                                            <p:txEl>
+                                              <p:pRg st="1" end="1"/>
+                                            </p:txEl>
+                                          </p:spTgt>
+                                        </p:tgtEl>
+                                      </p:cBhvr>
+                                    </p:animEffect>
+                                  </p:childTnLst>
+                                </p:cTn>
+                              </p:par>
+                            </p:childTnLst>
+                          </p:cTn>
+                        </p:par>
+                      </p:childTnLst>
+                    </p:cTn>
+                  </p:par>
+                  <p:par>
+                    <p:cTn id="13" fill="hold">
+                      <p:stCondLst>
+                        <p:cond delay="indefinite"/>
+                      </p:stCondLst>
+                      <p:childTnLst>
+                        <p:par>
+                          <p:cTn id="14" fill="hold">
+                            <p:stCondLst>
+                              <p:cond delay="0"/>
+                            </p:stCondLst>
+                            <p:childTnLst>
+                              <p:par>
+                                <p:cTn id="15" presetID="10" presetClass="entr" presetSubtype="0" fill="hold" grpId="0" nodeType="clickEffect">
+                                  <p:stCondLst>
+                                    <p:cond delay="0"/>
+                                  </p:stCondLst>
+                                  <p:childTnLst>
+                                    <p:set>
+                                      <p:cBhvr>
+                                        <p:cTn id="16" dur="1" fill="hold">
+                                          <p:stCondLst>
+                                            <p:cond delay="0"/>
+                                          </p:stCondLst>
+                                        </p:cTn>
+                                        <p:tgtEl>
+                                          <p:spTgt spid="3">
+                                            <p:txEl>
+                                              <p:pRg st="2" end="2"/>
+                                            </p:txEl>
+                                          </p:spTgt>
+                                        </p:tgtEl>
+                                        <p:attrNameLst>
+                                          <p:attrName>style.visibility</p:attrName>
+                                        </p:attrNameLst>
+                                      </p:cBhvr>
+                                      <p:to>
+                                        <p:strVal val="visible"/>
+                                      </p:to>
+                                    </p:set>
+                                    <p:animEffect transition="in" filter="fade">
+                                      <p:cBhvr>
+                                        <p:cTn id="17" dur="500"/>
+                                        <p:tgtEl>
+                                          <p:spTgt spid="3">
+                                            <p:txEl>
+                                              <p:pRg st="2" end="2"/>
+                                            </p:txEl>
+                                          </p:spTgt>
+                                        </p:tgtEl>
+                                      </p:cBhvr>
+                                    </p:animEffect>
+                                  </p:childTnLst>
+                                </p:cTn>
+                              </p:par>
+                            </p:childTnLst>
+                          </p:cTn>
+                        </p:par>
+                      </p:childTnLst>
+                    </p:cTn>
+                  </p:par>
+                  <p:par>
+                    <p:cTn id="18" fill="hold">
+                      <p:stCondLst>
+                        <p:cond delay="indefinite"/>
+                      </p:stCondLst>
+                      <p:childTnLst>
+                        <p:par>
+                          <p:cTn id="19" fill="hold">
+                            <p:stCondLst>
+                              <p:cond delay="0"/>
+                            </p:stCondLst>
+                            <p:childTnLst>
+                              <p:par>
+                                <p:cTn id="20" presetID="10" presetClass="entr" presetSubtype="0" fill="hold" grpId="0" nodeType="clickEffect">
+                                  <p:stCondLst>
+                                    <p:cond delay="0"/>
+                                  </p:stCondLst>
+                                  <p:childTnLst>
+                                    <p:set>
+                                      <p:cBhvr>
+                                        <p:cTn id="21" dur="1" fill="hold">
+                                          <p:stCondLst>
+                                            <p:cond delay="0"/>
+                                          </p:stCondLst>
+                                        </p:cTn>
+                                        <p:tgtEl>
+                                          <p:spTgt spid="3">
+                                            <p:txEl>
+                                              <p:pRg st="3" end="3"/>
+                                            </p:txEl>
+                                          </p:spTgt>
+                                        </p:tgtEl>
+                                        <p:attrNameLst>
+                                          <p:attrName>style.visibility</p:attrName>
+                                        </p:attrNameLst>
+                                      </p:cBhvr>
+                                      <p:to>
+                                        <p:strVal val="visible"/>
+                                      </p:to>
+                                    </p:set>
+                                    <p:animEffect transition="in" filter="fade">
+                                      <p:cBhvr>
+                                        <p:cTn id="22" dur="500"/>
+                                        <p:tgtEl>
+                                          <p:spTgt spid="3">
+                                            <p:txEl>
+                                              <p:pRg st="3" end="3"/>
+                                            </p:txEl>
+                                          </p:spTgt>
+                                        </p:tgtEl>
+                                      </p:cBhvr>
+                                    </p:animEffect>
+                                  </p:childTnLst>
+                                </p:cTn>
+                              </p:par>
+                            </p:childTnLst>
+                          </p:cTn>
+                        </p:par>
+                      </p:childTnLst>
+                    </p:cTn>
+                  </p:par>
+                  <p:par>
+                    <p:cTn id="23" fill="hold">
+                      <p:stCondLst>
+                        <p:cond delay="indefinite"/>
+                      </p:stCondLst>
+                      <p:childTnLst>
+                        <p:par>
+                          <p:cTn id="24" fill="hold">
+                            <p:stCondLst>
+                              <p:cond delay="0"/>
+                            </p:stCondLst>
+                            <p:childTnLst>
+                              <p:par>
+                                <p:cTn id="25" presetID="10" presetClass="entr" presetSubtype="0" fill="hold" grpId="0" nodeType="clickEffect">
+                                  <p:stCondLst>
+                                    <p:cond delay="0"/>
+                                  </p:stCondLst>
+                                  <p:childTnLst>
+                                    <p:set>
+                                      <p:cBhvr>
+                                        <p:cTn id="26" dur="1" fill="hold">
+                                          <p:stCondLst>
+                                            <p:cond delay="0"/>
+                                          </p:stCondLst>
+                                        </p:cTn>
+                                        <p:tgtEl>
+                                          <p:spTgt spid="3">
+                                            <p:txEl>
+                                              <p:pRg st="4" end="4"/>
+                                            </p:txEl>
+                                          </p:spTgt>
+                                        </p:tgtEl>
+                                        <p:attrNameLst>
+                                          <p:attrName>style.visibility</p:attrName>
+                                        </p:attrNameLst>
+                                      </p:cBhvr>
+                                      <p:to>
+                                        <p:strVal val="visible"/>
+                                      </p:to>
+                                    </p:set>
+                                    <p:animEffect transition="in" filter="fade">
+                                      <p:cBhvr>
+                                        <p:cTn id="27" dur="500"/>
+                                        <p:tgtEl>
+                                          <p:spTgt spid="3">
+                                            <p:txEl>
+                                              <p:pRg st="4" end="4"/>
+                                            </p:txEl>
+                                          </p:spTgt>
+                                        </p:tgtEl>
+                                      </p:cBhvr>
+                                    </p:animEffect>
+                                  </p:childTnLst>
+                                </p:cTn>
+                              </p:par>
+                            </p:childTnLst>
+                          </p:cTn>
+                        </p:par>
+                      </p:childTnLst>
+                    </p:cTn>
+                  </p:par>
+                  <p:par>
+                    <p:cTn id="28" fill="hold">
+                      <p:stCondLst>
+                        <p:cond delay="indefinite"/>
+                      </p:stCondLst>
+                      <p:childTnLst>
+                        <p:par>
+                          <p:cTn id="29" fill="hold">
+                            <p:stCondLst>
+                              <p:cond delay="0"/>
+                            </p:stCondLst>
+                            <p:childTnLst>
+                              <p:par>
+                                <p:cTn id="30" presetID="10" presetClass="entr" presetSubtype="0" fill="hold" grpId="0" nodeType="clickEffect">
+                                  <p:stCondLst>
+                                    <p:cond delay="0"/>
+                                  </p:stCondLst>
+                                  <p:childTnLst>
+                                    <p:set>
+                                      <p:cBhvr>
+                                        <p:cTn id="31" dur="1" fill="hold">
+                                          <p:stCondLst>
+                                            <p:cond delay="0"/>
+                                          </p:stCondLst>
+                                        </p:cTn>
+                                        <p:tgtEl>
+                                          <p:spTgt spid="3">
+                                            <p:txEl>
+                                              <p:pRg st="5" end="5"/>
+                                            </p:txEl>
+                                          </p:spTgt>
+                                        </p:tgtEl>
+                                        <p:attrNameLst>
+                                          <p:attrName>style.visibility</p:attrName>
+                                        </p:attrNameLst>
+                                      </p:cBhvr>
+                                      <p:to>
+                                        <p:strVal val="visible"/>
+                                      </p:to>
+                                    </p:set>
+                                    <p:animEffect transition="in" filter="fade">
+                                      <p:cBhvr>
+                                        <p:cTn id="32" dur="500"/>
+                                        <p:tgtEl>
+                                          <p:spTgt spid="3">
+                                            <p:txEl>
+                                              <p:pRg st="5" end="5"/>
+                                            </p:txEl>
+                                          </p:spTgt>
+                                        </p:tgtEl>
+                                      </p:cBhvr>
+                                    </p:animEffect>
+                                  </p:childTnLst>
+                                </p:cTn>
+                              </p:par>
+                            </p:childTnLst>
+                          </p:cTn>
+                        </p:par>
+                      </p:childTnLst>
+                    </p:cTn>
+                  </p:par>
+                  <p:par>
+                    <p:cTn id="33" fill="hold">
+                      <p:stCondLst>
+                        <p:cond delay="indefinite"/>
+                      </p:stCondLst>
+                      <p:childTnLst>
+                        <p:par>
+                          <p:cTn id="34" fill="hold">
+                            <p:stCondLst>
+                              <p:cond delay="0"/>
+                            </p:stCondLst>
+                            <p:childTnLst>
+                              <p:par>
+                                <p:cTn id="35" presetID="10" presetClass="entr" presetSubtype="0" fill="hold" nodeType="clickEffect">
+                                  <p:stCondLst>
+                                    <p:cond delay="0"/>
+                                  </p:stCondLst>
+                                  <p:childTnLst>
+                                    <p:set>
+                                      <p:cBhvr>
+                                        <p:cTn id="36" dur="1" fill="hold">
+                                          <p:stCondLst>
+                                            <p:cond delay="0"/>
+                                          </p:stCondLst>
+                                        </p:cTn>
+                                        <p:tgtEl>
+                                          <p:spTgt spid="1027"/>
+                                        </p:tgtEl>
+                                        <p:attrNameLst>
+                                          <p:attrName>style.visibility</p:attrName>
+                                        </p:attrNameLst>
+                                      </p:cBhvr>
+                                      <p:to>
+                                        <p:strVal val="visible"/>
+                                      </p:to>
+                                    </p:set>
+                                    <p:animEffect transition="in" filter="fade">
+                                      <p:cBhvr>
+                                        <p:cTn id="37" dur="500"/>
+                                        <p:tgtEl>
+                                          <p:spTgt spid="1027"/>
+                                        </p:tgtEl>
+                                      </p:cBhvr>
+                                    </p:animEffect>
+                                  </p:childTnLst>
+                                </p:cTn>
+                              </p:par>
+                            </p:childTnLst>
+                          </p:cTn>
+                        </p:par>
+                      </p:childTnLst>
+                    </p:cTn>
+                  </p:par>
+                  <p:par>
+                    <p:cTn id="38" fill="hold">
+                      <p:stCondLst>
+                        <p:cond delay="indefinite"/>
+                      </p:stCondLst>
+                      <p:childTnLst>
+                        <p:par>
+                          <p:cTn id="39" fill="hold">
+                            <p:stCondLst>
+                              <p:cond delay="0"/>
+                            </p:stCondLst>
+                            <p:childTnLst>
+                              <p:par>
+                                <p:cTn id="40" presetID="10" presetClass="entr" presetSubtype="0" fill="hold" nodeType="clickEffect">
+                                  <p:stCondLst>
+                                    <p:cond delay="0"/>
+                                  </p:stCondLst>
+                                  <p:childTnLst>
+                                    <p:set>
+                                      <p:cBhvr>
+                                        <p:cTn id="41" dur="1" fill="hold">
+                                          <p:stCondLst>
+                                            <p:cond delay="0"/>
+                                          </p:stCondLst>
+                                        </p:cTn>
+                                        <p:tgtEl>
+                                          <p:spTgt spid="1030"/>
+                                        </p:tgtEl>
+                                        <p:attrNameLst>
+                                          <p:attrName>style.visibility</p:attrName>
+                                        </p:attrNameLst>
+                                      </p:cBhvr>
+                                      <p:to>
+                                        <p:strVal val="visible"/>
+                                      </p:to>
+                                    </p:set>
+                                    <p:animEffect transition="in" filter="fade">
+                                      <p:cBhvr>
+                                        <p:cTn id="42" dur="500"/>
+                                        <p:tgtEl>
+                                          <p:spTgt spid="1030"/>
+                                        </p:tgtEl>
+                                      </p:cBhvr>
+                                    </p:animEffect>
+                                  </p:childTnLst>
+                                </p:cTn>
+                              </p:par>
+                            </p:childTnLst>
+                          </p:cTn>
+                        </p:par>
+                      </p:childTnLst>
+                    </p:cTn>
+                  </p:par>
+                </p:childTnLst>
+              </p:cTn>
+              <p:prevCondLst>
+                <p:cond evt="onPrev" delay="0">
+                  <p:tgtEl>
+                    <p:sldTgt/>
+                  </p:tgtEl>
+                </p:cond>
+              </p:prevCondLst>
+              <p:nextCondLst>
+                <p:cond evt="onNext" delay="0">
+                  <p:tgtEl>
+                    <p:sldTgt/>
+                  </p:tgtEl>
+                </p:cond>
+              </p:nextCondLst>
+            </p:seq>
+          </p:childTnLst>
+        </p:cTn>
+      </p:par>
+    </p:tnLst>
+    <p:bldLst>
+      <p:bldP spid="3" grpId="0" uiExpand="1" build="p"/>
+    </p:bldLst>
+  </p:timing>
+</p:sld>
+</file>
+
+<file path=ppt/slides/slide3.xml><?xml version="1.0" encoding="utf-8"?>
+<p:sld xmlns:a="http://schemas.openxmlformats.org/drawingml/2006/main" xmlns:r="http://schemas.openxmlformats.org/officeDocument/2006/relationships" xmlns:p="http://schemas.openxmlformats.org/presentationml/2006/main">
+  <p:cSld>
+    <p:spTree>
+      <p:nvGrpSpPr>
+        <p:cNvPr id="1" name=""/>
+        <p:cNvGrpSpPr/>
+        <p:nvPr/>
+      </p:nvGrpSpPr>
+      <p:grpSpPr>
+        <a:xfrm>
+          <a:off x="0" y="0"/>
+          <a:ext cx="0" cy="0"/>
+          <a:chOff x="0" y="0"/>
+          <a:chExt cx="0" cy="0"/>
+        </a:xfrm>
+      </p:grpSpPr>
+      <p:sp>
+        <p:nvSpPr>
+          <p:cNvPr id="2" name="标题 1"/>
+          <p:cNvSpPr>
+            <a:spLocks noGrp="1"/>
+          </p:cNvSpPr>
+          <p:nvPr>
+            <p:ph type="title"/>
+          </p:nvPr>
+        </p:nvSpPr>
+        <p:spPr/>
+        <p:txBody>
+          <a:bodyPr/>
+          <a:lstStyle/>
+          <a:p>
+            <a:r>
+              <a:rPr lang="zh-CN" altLang="en-US" dirty="0" smtClean="0"/>
+              <a:t>修改概要（续）</a:t>
+            </a:r>
+            <a:endParaRPr lang="zh-CN" altLang="en-US" dirty="0"/>
+          </a:p>
+        </p:txBody>
+      </p:sp>
+      <p:sp>
+        <p:nvSpPr>
+          <p:cNvPr id="3" name="内容占位符 2"/>
+          <p:cNvSpPr>
+            <a:spLocks noGrp="1"/>
+          </p:cNvSpPr>
+          <p:nvPr>
+            <p:ph idx="1"/>
+          </p:nvPr>
+        </p:nvSpPr>
+        <p:spPr/>
+        <p:txBody>
+          <a:bodyPr/>
+          <a:lstStyle/>
+          <a:p>
+            <a:r>
+              <a:rPr lang="zh-CN" altLang="en-US" dirty="0" smtClean="0"/>
+              <a:t>设定每周开会时间</a:t>
+            </a:r>
+            <a:endParaRPr lang="en-US" altLang="zh-CN" dirty="0" smtClean="0"/>
+          </a:p>
+          <a:p>
+            <a:endParaRPr lang="en-US" altLang="zh-CN" dirty="0"/>
+          </a:p>
+          <a:p>
+            <a:r>
+              <a:rPr lang="zh-CN" altLang="en-US" dirty="0" smtClean="0"/>
+              <a:t>细化项目进度控制</a:t>
+            </a:r>
+            <a:endParaRPr lang="en-US" altLang="zh-CN" dirty="0"/>
+          </a:p>
+          <a:p>
+            <a:endParaRPr lang="en-US" altLang="zh-CN" dirty="0" smtClean="0"/>
+          </a:p>
+          <a:p>
+            <a:endParaRPr lang="en-US" altLang="zh-CN" dirty="0"/>
+          </a:p>
+          <a:p>
+            <a:endParaRPr lang="en-US" altLang="zh-CN" dirty="0" smtClean="0"/>
+          </a:p>
+          <a:p>
+            <a:r>
+              <a:rPr lang="zh-CN" altLang="en-US" dirty="0" smtClean="0"/>
+              <a:t>细化即将到来的项目</a:t>
+            </a:r>
+            <a:endParaRPr lang="en-US" altLang="zh-CN" dirty="0" smtClean="0"/>
+          </a:p>
+          <a:p>
+            <a:endParaRPr lang="en-US" altLang="zh-CN" dirty="0" smtClean="0"/>
+          </a:p>
+          <a:p>
+            <a:endParaRPr lang="en-US" altLang="zh-CN" dirty="0" smtClean="0"/>
+          </a:p>
+          <a:p>
+            <a:pPr lvl="1"/>
+            <a:endParaRPr lang="zh-CN" altLang="en-US" dirty="0"/>
+          </a:p>
+        </p:txBody>
+      </p:sp>
+      <p:pic>
+        <p:nvPicPr>
+          <p:cNvPr id="2050" name="Picture 2"/>
+          <p:cNvPicPr>
+            <a:picLocks noChangeAspect="1" noChangeArrowheads="1"/>
+          </p:cNvPicPr>
+          <p:nvPr/>
+        </p:nvPicPr>
+        <p:blipFill>
+          <a:blip r:embed="rId2">
+            <a:extLst>
+              <a:ext uri="{28A0092B-C50C-407E-A947-70E740481C1C}">
+                <a14:useLocalDpi xmlns:a14="http://schemas.microsoft.com/office/drawing/2010/main" val="0"/>
+              </a:ext>
+            </a:extLst>
+          </a:blip>
+          <a:srcRect/>
+          <a:stretch>
+            <a:fillRect/>
+          </a:stretch>
+        </p:blipFill>
+        <p:spPr bwMode="auto">
+          <a:xfrm>
+            <a:off x="-131340" y="2276872"/>
+            <a:ext cx="10023514" cy="432048"/>
+          </a:xfrm>
+          <a:prstGeom prst="rect">
+            <a:avLst/>
+          </a:prstGeom>
+          <a:noFill/>
+          <a:ln>
+            <a:noFill/>
+          </a:ln>
+          <a:effectLst/>
+          <a:extLst>
+            <a:ext uri="{909E8E84-426E-40DD-AFC4-6F175D3DCCD1}">
+              <a14:hiddenFill xmlns:a14="http://schemas.microsoft.com/office/drawing/2010/main">
+                <a:solidFill>
+                  <a:schemeClr val="accent1"/>
+                </a:solidFill>
+              </a14:hiddenFill>
+            </a:ext>
+            <a:ext uri="{91240B29-F687-4F45-9708-019B960494DF}">
+              <a14:hiddenLine xmlns:a14="http://schemas.microsoft.com/office/drawing/2010/main" w="9525">
+                <a:solidFill>
+                  <a:schemeClr val="tx1"/>
+                </a:solidFill>
+                <a:miter lim="800000"/>
+                <a:headEnd/>
+                <a:tailEnd/>
+              </a14:hiddenLine>
+            </a:ext>
+            <a:ext uri="{AF507438-7753-43E0-B8FC-AC1667EBCBE1}">
+              <a14:hiddenEffects xmlns:a14="http://schemas.microsoft.com/office/drawing/2010/main">
+                <a:effectLst>
+                  <a:outerShdw dist="35921" dir="2700000" algn="ctr" rotWithShape="0">
+                    <a:schemeClr val="bg2"/>
+                  </a:outerShdw>
+                </a:effectLst>
+              </a14:hiddenEffects>
+            </a:ext>
+          </a:extLst>
+        </p:spPr>
+      </p:pic>
+      <p:pic>
+        <p:nvPicPr>
+          <p:cNvPr id="2051" name="Picture 3"/>
+          <p:cNvPicPr>
+            <a:picLocks noChangeAspect="1" noChangeArrowheads="1"/>
+          </p:cNvPicPr>
+          <p:nvPr/>
+        </p:nvPicPr>
+        <p:blipFill>
+          <a:blip r:embed="rId3">
+            <a:extLst>
+              <a:ext uri="{28A0092B-C50C-407E-A947-70E740481C1C}">
+                <a14:useLocalDpi xmlns:a14="http://schemas.microsoft.com/office/drawing/2010/main" val="0"/>
+              </a:ext>
+            </a:extLst>
+          </a:blip>
+          <a:srcRect/>
+          <a:stretch>
+            <a:fillRect/>
+          </a:stretch>
+        </p:blipFill>
+        <p:spPr bwMode="auto">
+          <a:xfrm>
+            <a:off x="228700" y="3429000"/>
+            <a:ext cx="8359534" cy="1368152"/>
+          </a:xfrm>
+          <a:prstGeom prst="rect">
+            <a:avLst/>
+          </a:prstGeom>
+          <a:noFill/>
+          <a:ln>
+            <a:noFill/>
+          </a:ln>
+          <a:effectLst/>
+          <a:extLst>
+            <a:ext uri="{909E8E84-426E-40DD-AFC4-6F175D3DCCD1}">
+              <a14:hiddenFill xmlns:a14="http://schemas.microsoft.com/office/drawing/2010/main">
+                <a:solidFill>
+                  <a:schemeClr val="accent1"/>
+                </a:solidFill>
+              </a14:hiddenFill>
+            </a:ext>
+            <a:ext uri="{91240B29-F687-4F45-9708-019B960494DF}">
+              <a14:hiddenLine xmlns:a14="http://schemas.microsoft.com/office/drawing/2010/main" w="9525">
+                <a:solidFill>
+                  <a:schemeClr val="tx1"/>
+                </a:solidFill>
+                <a:miter lim="800000"/>
+                <a:headEnd/>
+                <a:tailEnd/>
+              </a14:hiddenLine>
+            </a:ext>
+            <a:ext uri="{AF507438-7753-43E0-B8FC-AC1667EBCBE1}">
+              <a14:hiddenEffects xmlns:a14="http://schemas.microsoft.com/office/drawing/2010/main">
+                <a:effectLst>
+                  <a:outerShdw dist="35921" dir="2700000" algn="ctr" rotWithShape="0">
+                    <a:schemeClr val="bg2"/>
+                  </a:outerShdw>
+                </a:effectLst>
+              </a14:hiddenEffects>
+            </a:ext>
+          </a:extLst>
+        </p:spPr>
+      </p:pic>
+      <p:pic>
+        <p:nvPicPr>
+          <p:cNvPr id="2052" name="Picture 4"/>
+          <p:cNvPicPr>
+            <a:picLocks noChangeAspect="1" noChangeArrowheads="1"/>
+          </p:cNvPicPr>
+          <p:nvPr/>
+        </p:nvPicPr>
+        <p:blipFill>
+          <a:blip r:embed="rId4">
+            <a:extLst>
+              <a:ext uri="{28A0092B-C50C-407E-A947-70E740481C1C}">
+                <a14:useLocalDpi xmlns:a14="http://schemas.microsoft.com/office/drawing/2010/main" val="0"/>
+              </a:ext>
+            </a:extLst>
+          </a:blip>
+          <a:srcRect/>
+          <a:stretch>
+            <a:fillRect/>
+          </a:stretch>
+        </p:blipFill>
+        <p:spPr bwMode="auto">
+          <a:xfrm>
+            <a:off x="1812876" y="5694040"/>
+            <a:ext cx="4457700" cy="1152525"/>
+          </a:xfrm>
+          <a:prstGeom prst="rect">
+            <a:avLst/>
+          </a:prstGeom>
+          <a:noFill/>
+          <a:ln>
+            <a:noFill/>
+          </a:ln>
+          <a:effectLst/>
+          <a:extLst>
+            <a:ext uri="{909E8E84-426E-40DD-AFC4-6F175D3DCCD1}">
+              <a14:hiddenFill xmlns:a14="http://schemas.microsoft.com/office/drawing/2010/main">
+                <a:solidFill>
+                  <a:schemeClr val="accent1"/>
+                </a:solidFill>
+              </a14:hiddenFill>
+            </a:ext>
+            <a:ext uri="{91240B29-F687-4F45-9708-019B960494DF}">
+              <a14:hiddenLine xmlns:a14="http://schemas.microsoft.com/office/drawing/2010/main" w="9525">
+                <a:solidFill>
+                  <a:schemeClr val="tx1"/>
+                </a:solidFill>
+                <a:miter lim="800000"/>
+                <a:headEnd/>
+                <a:tailEnd/>
+              </a14:hiddenLine>
+            </a:ext>
+            <a:ext uri="{AF507438-7753-43E0-B8FC-AC1667EBCBE1}">
+              <a14:hiddenEffects xmlns:a14="http://schemas.microsoft.com/office/drawing/2010/main">
+                <a:effectLst>
+                  <a:outerShdw dist="35921" dir="2700000" algn="ctr" rotWithShape="0">
+                    <a:schemeClr val="bg2"/>
+                  </a:outerShdw>
+                </a:effectLst>
+              </a14:hiddenEffects>
+            </a:ext>
+          </a:extLst>
+        </p:spPr>
+      </p:pic>
+    </p:spTree>
+    <p:extLst>
+      <p:ext uri="{BB962C8B-B14F-4D97-AF65-F5344CB8AC3E}">
+        <p14:creationId xmlns:p14="http://schemas.microsoft.com/office/powerpoint/2010/main" val="86960128"/>
+      </p:ext>
+    </p:extLst>
+  </p:cSld>
+  <p:clrMapOvr>
+    <a:masterClrMapping/>
+  </p:clrMapOvr>
+  <p:transition spd="slow">
+    <p:push dir="u"/>
+  </p:transition>
+  <p:timing>
+    <p:tnLst>
+      <p:par>
+        <p:cTn id="1" dur="indefinite" restart="never" nodeType="tmRoot">
+          <p:childTnLst>
+            <p:seq concurrent="1" nextAc="seek">
+              <p:cTn id="2" dur="indefinite" nodeType="mainSeq">
+                <p:childTnLst>
+                  <p:par>
+                    <p:cTn id="3" fill="hold">
+                      <p:stCondLst>
+                        <p:cond delay="indefinite"/>
+                      </p:stCondLst>
+                      <p:childTnLst>
+                        <p:par>
+                          <p:cTn id="4" fill="hold">
+                            <p:stCondLst>
+                              <p:cond delay="0"/>
+                            </p:stCondLst>
+                            <p:childTnLst>
+                              <p:par>
+                                <p:cTn id="5" presetID="10" presetClass="entr" presetSubtype="0" fill="hold" grpId="0" nodeType="clickEffect">
+                                  <p:stCondLst>
+                                    <p:cond delay="0"/>
+                                  </p:stCondLst>
+                                  <p:childTnLst>
+                                    <p:set>
+                                      <p:cBhvr>
+                                        <p:cTn id="6" dur="1" fill="hold">
+                                          <p:stCondLst>
+                                            <p:cond delay="0"/>
+                                          </p:stCondLst>
+                                        </p:cTn>
+                                        <p:tgtEl>
+                                          <p:spTgt spid="3">
+                                            <p:txEl>
+                                              <p:pRg st="0" end="0"/>
+                                            </p:txEl>
+                                          </p:spTgt>
+                                        </p:tgtEl>
+                                        <p:attrNameLst>
+                                          <p:attrName>style.visibility</p:attrName>
+                                        </p:attrNameLst>
+                                      </p:cBhvr>
+                                      <p:to>
+                                        <p:strVal val="visible"/>
+                                      </p:to>
+                                    </p:set>
+                                    <p:animEffect transition="in" filter="fade">
+                                      <p:cBhvr>
+                                        <p:cTn id="7" dur="500"/>
+                                        <p:tgtEl>
+                                          <p:spTgt spid="3">
+                                            <p:txEl>
+                                              <p:pRg st="0" end="0"/>
+                                            </p:txEl>
+                                          </p:spTgt>
+                                        </p:tgtEl>
+                                      </p:cBhvr>
+                                    </p:animEffect>
+                                  </p:childTnLst>
+                                </p:cTn>
+                              </p:par>
+                            </p:childTnLst>
+                          </p:cTn>
+                        </p:par>
+                      </p:childTnLst>
+                    </p:cTn>
+                  </p:par>
+                  <p:par>
+                    <p:cTn id="8" fill="hold">
+                      <p:stCondLst>
+                        <p:cond delay="indefinite"/>
+                      </p:stCondLst>
+                      <p:childTnLst>
+                        <p:par>
+                          <p:cTn id="9" fill="hold">
+                            <p:stCondLst>
+                              <p:cond delay="0"/>
+                            </p:stCondLst>
+                            <p:childTnLst>
+                              <p:par>
+                                <p:cTn id="10" presetID="10" presetClass="entr" presetSubtype="0" fill="hold" nodeType="clickEffect">
+                                  <p:stCondLst>
+                                    <p:cond delay="0"/>
+                                  </p:stCondLst>
+                                  <p:childTnLst>
+                                    <p:set>
+                                      <p:cBhvr>
+                                        <p:cTn id="11" dur="1" fill="hold">
+                                          <p:stCondLst>
+                                            <p:cond delay="0"/>
+                                          </p:stCondLst>
+                                        </p:cTn>
+                                        <p:tgtEl>
+                                          <p:spTgt spid="2050"/>
+                                        </p:tgtEl>
+                                        <p:attrNameLst>
+                                          <p:attrName>style.visibility</p:attrName>
+                                        </p:attrNameLst>
+                                      </p:cBhvr>
+                                      <p:to>
+                                        <p:strVal val="visible"/>
+                                      </p:to>
+                                    </p:set>
+                                    <p:animEffect transition="in" filter="fade">
+                                      <p:cBhvr>
+                                        <p:cTn id="12" dur="500"/>
+                                        <p:tgtEl>
+                                          <p:spTgt spid="2050"/>
+                                        </p:tgtEl>
+                                      </p:cBhvr>
+                                    </p:animEffect>
+                                  </p:childTnLst>
+                                </p:cTn>
+                              </p:par>
+                            </p:childTnLst>
+                          </p:cTn>
+                        </p:par>
+                      </p:childTnLst>
+                    </p:cTn>
+                  </p:par>
+                  <p:par>
+                    <p:cTn id="13" fill="hold">
+                      <p:stCondLst>
+                        <p:cond delay="indefinite"/>
+                      </p:stCondLst>
+                      <p:childTnLst>
+                        <p:par>
+                          <p:cTn id="14" fill="hold">
+                            <p:stCondLst>
+                              <p:cond delay="0"/>
+                            </p:stCondLst>
+                            <p:childTnLst>
+                              <p:par>
+                                <p:cTn id="15" presetID="10" presetClass="entr" presetSubtype="0" fill="hold" grpId="0" nodeType="clickEffect">
+                                  <p:stCondLst>
+                                    <p:cond delay="0"/>
+                                  </p:stCondLst>
+                                  <p:childTnLst>
+                                    <p:set>
+                                      <p:cBhvr>
+                                        <p:cTn id="16" dur="1" fill="hold">
+                                          <p:stCondLst>
+                                            <p:cond delay="0"/>
+                                          </p:stCondLst>
+                                        </p:cTn>
+                                        <p:tgtEl>
+                                          <p:spTgt spid="3">
+                                            <p:txEl>
+                                              <p:pRg st="2" end="2"/>
+                                            </p:txEl>
+                                          </p:spTgt>
+                                        </p:tgtEl>
+                                        <p:attrNameLst>
+                                          <p:attrName>style.visibility</p:attrName>
+                                        </p:attrNameLst>
+                                      </p:cBhvr>
+                                      <p:to>
+                                        <p:strVal val="visible"/>
+                                      </p:to>
+                                    </p:set>
+                                    <p:animEffect transition="in" filter="fade">
+                                      <p:cBhvr>
+                                        <p:cTn id="17" dur="500"/>
+                                        <p:tgtEl>
+                                          <p:spTgt spid="3">
+                                            <p:txEl>
+                                              <p:pRg st="2" end="2"/>
+                                            </p:txEl>
+                                          </p:spTgt>
+                                        </p:tgtEl>
+                                      </p:cBhvr>
+                                    </p:animEffect>
+                                  </p:childTnLst>
+                                </p:cTn>
+                              </p:par>
+                            </p:childTnLst>
+                          </p:cTn>
+                        </p:par>
+                      </p:childTnLst>
+                    </p:cTn>
+                  </p:par>
+                  <p:par>
+                    <p:cTn id="18" fill="hold">
+                      <p:stCondLst>
+                        <p:cond delay="indefinite"/>
+                      </p:stCondLst>
+                      <p:childTnLst>
+                        <p:par>
+                          <p:cTn id="19" fill="hold">
+                            <p:stCondLst>
+                              <p:cond delay="0"/>
+                            </p:stCondLst>
+                            <p:childTnLst>
+                              <p:par>
+                                <p:cTn id="20" presetID="10" presetClass="entr" presetSubtype="0" fill="hold" nodeType="clickEffect">
+                                  <p:stCondLst>
+                                    <p:cond delay="0"/>
+                                  </p:stCondLst>
+                                  <p:childTnLst>
+                                    <p:set>
+                                      <p:cBhvr>
+                                        <p:cTn id="21" dur="1" fill="hold">
+                                          <p:stCondLst>
+                                            <p:cond delay="0"/>
+                                          </p:stCondLst>
+                                        </p:cTn>
+                                        <p:tgtEl>
+                                          <p:spTgt spid="2051"/>
+                                        </p:tgtEl>
+                                        <p:attrNameLst>
+                                          <p:attrName>style.visibility</p:attrName>
+                                        </p:attrNameLst>
+                                      </p:cBhvr>
+                                      <p:to>
+                                        <p:strVal val="visible"/>
+                                      </p:to>
+                                    </p:set>
+                                    <p:animEffect transition="in" filter="fade">
+                                      <p:cBhvr>
+                                        <p:cTn id="22" dur="500"/>
+                                        <p:tgtEl>
+                                          <p:spTgt spid="2051"/>
+                                        </p:tgtEl>
+                                      </p:cBhvr>
+                                    </p:animEffect>
+                                  </p:childTnLst>
+                                </p:cTn>
+                              </p:par>
+                            </p:childTnLst>
+                          </p:cTn>
+                        </p:par>
+                      </p:childTnLst>
+                    </p:cTn>
+                  </p:par>
+                  <p:par>
+                    <p:cTn id="23" fill="hold">
+                      <p:stCondLst>
+                        <p:cond delay="indefinite"/>
+                      </p:stCondLst>
+                      <p:childTnLst>
+                        <p:par>
+                          <p:cTn id="24" fill="hold">
+                            <p:stCondLst>
+                              <p:cond delay="0"/>
+                            </p:stCondLst>
+                            <p:childTnLst>
+                              <p:par>
+                                <p:cTn id="25" presetID="10" presetClass="entr" presetSubtype="0" fill="hold" grpId="0" nodeType="clickEffect">
+                                  <p:stCondLst>
+                                    <p:cond delay="0"/>
+                                  </p:stCondLst>
+                                  <p:childTnLst>
+                                    <p:set>
+                                      <p:cBhvr>
+                                        <p:cTn id="26" dur="1" fill="hold">
+                                          <p:stCondLst>
+                                            <p:cond delay="0"/>
+                                          </p:stCondLst>
+                                        </p:cTn>
+                                        <p:tgtEl>
+                                          <p:spTgt spid="3">
+                                            <p:txEl>
+                                              <p:pRg st="6" end="6"/>
+                                            </p:txEl>
+                                          </p:spTgt>
+                                        </p:tgtEl>
+                                        <p:attrNameLst>
+                                          <p:attrName>style.visibility</p:attrName>
+                                        </p:attrNameLst>
+                                      </p:cBhvr>
+                                      <p:to>
+                                        <p:strVal val="visible"/>
+                                      </p:to>
+                                    </p:set>
+                                    <p:animEffect transition="in" filter="fade">
+                                      <p:cBhvr>
+                                        <p:cTn id="27" dur="500"/>
+                                        <p:tgtEl>
+                                          <p:spTgt spid="3">
+                                            <p:txEl>
+                                              <p:pRg st="6" end="6"/>
+                                            </p:txEl>
+                                          </p:spTgt>
+                                        </p:tgtEl>
+                                      </p:cBhvr>
+                                    </p:animEffect>
+                                  </p:childTnLst>
+                                </p:cTn>
+                              </p:par>
+                            </p:childTnLst>
+                          </p:cTn>
+                        </p:par>
+                      </p:childTnLst>
+                    </p:cTn>
+                  </p:par>
+                  <p:par>
+                    <p:cTn id="28" fill="hold">
+                      <p:stCondLst>
+                        <p:cond delay="indefinite"/>
+                      </p:stCondLst>
+                      <p:childTnLst>
+                        <p:par>
+                          <p:cTn id="29" fill="hold">
+                            <p:stCondLst>
+                              <p:cond delay="0"/>
+                            </p:stCondLst>
+                            <p:childTnLst>
+                              <p:par>
+                                <p:cTn id="30" presetID="10" presetClass="entr" presetSubtype="0" fill="hold" nodeType="clickEffect">
+                                  <p:stCondLst>
+                                    <p:cond delay="0"/>
+                                  </p:stCondLst>
+                                  <p:childTnLst>
+                                    <p:set>
+                                      <p:cBhvr>
+                                        <p:cTn id="31" dur="1" fill="hold">
+                                          <p:stCondLst>
+                                            <p:cond delay="0"/>
+                                          </p:stCondLst>
+                                        </p:cTn>
+                                        <p:tgtEl>
+                                          <p:spTgt spid="2052"/>
+                                        </p:tgtEl>
+                                        <p:attrNameLst>
+                                          <p:attrName>style.visibility</p:attrName>
+                                        </p:attrNameLst>
+                                      </p:cBhvr>
+                                      <p:to>
+                                        <p:strVal val="visible"/>
+                                      </p:to>
+                                    </p:set>
+                                    <p:animEffect transition="in" filter="fade">
+                                      <p:cBhvr>
+                                        <p:cTn id="32" dur="500"/>
+                                        <p:tgtEl>
+                                          <p:spTgt spid="2052"/>
+                                        </p:tgtEl>
+                                      </p:cBhvr>
+                                    </p:animEffect>
+                                  </p:childTnLst>
+                                </p:cTn>
+                              </p:par>
+                            </p:childTnLst>
+                          </p:cTn>
+                        </p:par>
+                      </p:childTnLst>
+                    </p:cTn>
+                  </p:par>
+                </p:childTnLst>
+              </p:cTn>
+              <p:prevCondLst>
+                <p:cond evt="onPrev" delay="0">
+                  <p:tgtEl>
+                    <p:sldTgt/>
+                  </p:tgtEl>
+                </p:cond>
+              </p:prevCondLst>
+              <p:nextCondLst>
+                <p:cond evt="onNext" delay="0">
+                  <p:tgtEl>
+                    <p:sldTgt/>
+                  </p:tgtEl>
+                </p:cond>
+              </p:nextCondLst>
+            </p:seq>
+          </p:childTnLst>
+        </p:cTn>
+      </p:par>
+    </p:tnLst>
+    <p:bldLst>
+      <p:bldP spid="3" grpId="0" uiExpand="1" build="p"/>
+    </p:bldLst>
+  </p:timing>
+</p:sld>
+</file>
+
+<file path=ppt/slides/slide4.xml><?xml version="1.0" encoding="utf-8"?>
+<p:sld xmlns:a="http://schemas.openxmlformats.org/drawingml/2006/main" xmlns:r="http://schemas.openxmlformats.org/officeDocument/2006/relationships" xmlns:p="http://schemas.openxmlformats.org/presentationml/2006/main">
+  <p:cSld>
+    <p:spTree>
+      <p:nvGrpSpPr>
+        <p:cNvPr id="1" name=""/>
+        <p:cNvGrpSpPr/>
+        <p:nvPr/>
+      </p:nvGrpSpPr>
+      <p:grpSpPr>
+        <a:xfrm>
+          <a:off x="0" y="0"/>
+          <a:ext cx="0" cy="0"/>
+          <a:chOff x="0" y="0"/>
+          <a:chExt cx="0" cy="0"/>
+        </a:xfrm>
+      </p:grpSpPr>
+      <p:sp>
+        <p:nvSpPr>
+          <p:cNvPr id="2" name="标题 1"/>
+          <p:cNvSpPr>
+            <a:spLocks noGrp="1"/>
+          </p:cNvSpPr>
+          <p:nvPr>
+            <p:ph type="title"/>
+          </p:nvPr>
+        </p:nvSpPr>
+        <p:spPr/>
+        <p:txBody>
+          <a:bodyPr/>
+          <a:lstStyle/>
+          <a:p>
+            <a:r>
+              <a:rPr lang="zh-CN" altLang="en-US" dirty="0" smtClean="0"/>
+              <a:t>其他问题</a:t>
+            </a:r>
+            <a:endParaRPr lang="zh-CN" altLang="en-US" dirty="0"/>
+          </a:p>
+        </p:txBody>
+      </p:sp>
+      <p:sp>
+        <p:nvSpPr>
+          <p:cNvPr id="3" name="内容占位符 2"/>
+          <p:cNvSpPr>
+            <a:spLocks noGrp="1"/>
+          </p:cNvSpPr>
+          <p:nvPr>
+            <p:ph idx="1"/>
+          </p:nvPr>
+        </p:nvSpPr>
+        <p:spPr/>
+        <p:txBody>
+          <a:bodyPr/>
+          <a:lstStyle/>
+          <a:p>
+            <a:r>
+              <a:rPr lang="zh-CN" altLang="en-US" dirty="0" smtClean="0"/>
+              <a:t>添加子任务</a:t>
+            </a:r>
+            <a:endParaRPr lang="en-US" altLang="zh-CN" dirty="0" smtClean="0"/>
+          </a:p>
+          <a:p>
+            <a:endParaRPr lang="en-US" altLang="zh-CN" dirty="0"/>
+          </a:p>
+          <a:p>
+            <a:endParaRPr lang="en-US" altLang="zh-CN" dirty="0" smtClean="0"/>
+          </a:p>
+          <a:p>
+            <a:endParaRPr lang="en-US" altLang="zh-CN" dirty="0" smtClean="0"/>
+          </a:p>
+          <a:p>
+            <a:r>
+              <a:rPr lang="zh-CN" altLang="en-US" dirty="0" smtClean="0"/>
+              <a:t>工期，开始时间，完成时间的关系</a:t>
+            </a:r>
+            <a:endParaRPr lang="en-US" altLang="zh-CN" dirty="0" smtClean="0"/>
+          </a:p>
+          <a:p>
+            <a:pPr lvl="1"/>
+            <a:r>
+              <a:rPr lang="zh-CN" altLang="en-US" dirty="0" smtClean="0"/>
+              <a:t>工作日？周末？</a:t>
+            </a:r>
+            <a:endParaRPr lang="en-US" altLang="zh-CN" dirty="0" smtClean="0"/>
+          </a:p>
+        </p:txBody>
+      </p:sp>
+      <p:pic>
+        <p:nvPicPr>
+          <p:cNvPr id="3074" name="Picture 2"/>
+          <p:cNvPicPr>
+            <a:picLocks noChangeAspect="1" noChangeArrowheads="1"/>
+          </p:cNvPicPr>
+          <p:nvPr/>
+        </p:nvPicPr>
+        <p:blipFill>
+          <a:blip r:embed="rId2">
+            <a:extLst>
+              <a:ext uri="{28A0092B-C50C-407E-A947-70E740481C1C}">
+                <a14:useLocalDpi xmlns:a14="http://schemas.microsoft.com/office/drawing/2010/main" val="0"/>
+              </a:ext>
+            </a:extLst>
+          </a:blip>
+          <a:srcRect/>
+          <a:stretch>
+            <a:fillRect/>
+          </a:stretch>
+        </p:blipFill>
+        <p:spPr bwMode="auto">
+          <a:xfrm>
+            <a:off x="2123728" y="2200275"/>
+            <a:ext cx="3522378" cy="1588765"/>
+          </a:xfrm>
+          <a:prstGeom prst="rect">
+            <a:avLst/>
+          </a:prstGeom>
+          <a:noFill/>
+          <a:ln>
+            <a:noFill/>
+          </a:ln>
+          <a:effectLst/>
+          <a:extLst>
+            <a:ext uri="{909E8E84-426E-40DD-AFC4-6F175D3DCCD1}">
+              <a14:hiddenFill xmlns:a14="http://schemas.microsoft.com/office/drawing/2010/main">
+                <a:solidFill>
+                  <a:schemeClr val="accent1"/>
+                </a:solidFill>
+              </a14:hiddenFill>
+            </a:ext>
+            <a:ext uri="{91240B29-F687-4F45-9708-019B960494DF}">
+              <a14:hiddenLine xmlns:a14="http://schemas.microsoft.com/office/drawing/2010/main" w="9525">
+                <a:solidFill>
+                  <a:schemeClr val="tx1"/>
+                </a:solidFill>
+                <a:miter lim="800000"/>
+                <a:headEnd/>
+                <a:tailEnd/>
+              </a14:hiddenLine>
+            </a:ext>
+            <a:ext uri="{AF507438-7753-43E0-B8FC-AC1667EBCBE1}">
+              <a14:hiddenEffects xmlns:a14="http://schemas.microsoft.com/office/drawing/2010/main">
+                <a:effectLst>
+                  <a:outerShdw dist="35921" dir="2700000" algn="ctr" rotWithShape="0">
+                    <a:schemeClr val="bg2"/>
+                  </a:outerShdw>
+                </a:effectLst>
+              </a14:hiddenEffects>
+            </a:ext>
+          </a:extLst>
+        </p:spPr>
+      </p:pic>
+    </p:spTree>
+    <p:extLst>
+      <p:ext uri="{BB962C8B-B14F-4D97-AF65-F5344CB8AC3E}">
+        <p14:creationId xmlns:p14="http://schemas.microsoft.com/office/powerpoint/2010/main" val="4225667284"/>
+      </p:ext>
+    </p:extLst>
+  </p:cSld>
+  <p:clrMapOvr>
+    <a:masterClrMapping/>
+  </p:clrMapOvr>
+  <p:transition spd="slow">
+    <p:push dir="u"/>
+  </p:transition>
+  <p:timing>
+    <p:tnLst>
+      <p:par>
+        <p:cTn id="1" dur="indefinite" restart="never" nodeType="tmRoot">
+          <p:childTnLst>
+            <p:seq concurrent="1" nextAc="seek">
+              <p:cTn id="2" dur="indefinite" nodeType="mainSeq">
+                <p:childTnLst>
+                  <p:par>
+                    <p:cTn id="3" fill="hold">
+                      <p:stCondLst>
+                        <p:cond delay="indefinite"/>
+                      </p:stCondLst>
+                      <p:childTnLst>
+                        <p:par>
+                          <p:cTn id="4" fill="hold">
+                            <p:stCondLst>
+                              <p:cond delay="0"/>
+                            </p:stCondLst>
+                            <p:childTnLst>
+                              <p:par>
+                                <p:cTn id="5" presetID="10" presetClass="entr" presetSubtype="0" fill="hold" grpId="0" nodeType="clickEffect">
+                                  <p:stCondLst>
+                                    <p:cond delay="0"/>
+                                  </p:stCondLst>
+                                  <p:childTnLst>
+                                    <p:set>
+                                      <p:cBhvr>
+                                        <p:cTn id="6" dur="1" fill="hold">
+                                          <p:stCondLst>
+                                            <p:cond delay="0"/>
+                                          </p:stCondLst>
+                                        </p:cTn>
+                                        <p:tgtEl>
+                                          <p:spTgt spid="3">
+                                            <p:txEl>
+                                              <p:pRg st="0" end="0"/>
+                                            </p:txEl>
+                                          </p:spTgt>
+                                        </p:tgtEl>
+                                        <p:attrNameLst>
+                                          <p:attrName>style.visibility</p:attrName>
+                                        </p:attrNameLst>
+                                      </p:cBhvr>
+                                      <p:to>
+                                        <p:strVal val="visible"/>
+                                      </p:to>
+                                    </p:set>
+                                    <p:animEffect transition="in" filter="fade">
+                                      <p:cBhvr>
+                                        <p:cTn id="7" dur="500"/>
+                                        <p:tgtEl>
+                                          <p:spTgt spid="3">
+                                            <p:txEl>
+                                              <p:pRg st="0" end="0"/>
+                                            </p:txEl>
+                                          </p:spTgt>
+                                        </p:tgtEl>
+                                      </p:cBhvr>
+                                    </p:animEffect>
+                                  </p:childTnLst>
+                                </p:cTn>
+                              </p:par>
+                            </p:childTnLst>
+                          </p:cTn>
+                        </p:par>
+                      </p:childTnLst>
+                    </p:cTn>
+                  </p:par>
+                  <p:par>
+                    <p:cTn id="8" fill="hold">
+                      <p:stCondLst>
+                        <p:cond delay="indefinite"/>
+                      </p:stCondLst>
+                      <p:childTnLst>
+                        <p:par>
+                          <p:cTn id="9" fill="hold">
+                            <p:stCondLst>
+                              <p:cond delay="0"/>
+                            </p:stCondLst>
+                            <p:childTnLst>
+                              <p:par>
+                                <p:cTn id="10" presetID="10" presetClass="entr" presetSubtype="0" fill="hold" nodeType="clickEffect">
+                                  <p:stCondLst>
+                                    <p:cond delay="0"/>
+                                  </p:stCondLst>
+                                  <p:childTnLst>
+                                    <p:set>
+                                      <p:cBhvr>
+                                        <p:cTn id="11" dur="1" fill="hold">
+                                          <p:stCondLst>
+                                            <p:cond delay="0"/>
+                                          </p:stCondLst>
+                                        </p:cTn>
+                                        <p:tgtEl>
+                                          <p:spTgt spid="3074"/>
+                                        </p:tgtEl>
+                                        <p:attrNameLst>
+                                          <p:attrName>style.visibility</p:attrName>
+                                        </p:attrNameLst>
+                                      </p:cBhvr>
+                                      <p:to>
+                                        <p:strVal val="visible"/>
+                                      </p:to>
+                                    </p:set>
+                                    <p:animEffect transition="in" filter="fade">
+                                      <p:cBhvr>
+                                        <p:cTn id="12" dur="500"/>
+                                        <p:tgtEl>
+                                          <p:spTgt spid="3074"/>
+                                        </p:tgtEl>
+                                      </p:cBhvr>
+                                    </p:animEffect>
+                                  </p:childTnLst>
+                                </p:cTn>
+                              </p:par>
+                            </p:childTnLst>
+                          </p:cTn>
+                        </p:par>
+                      </p:childTnLst>
+                    </p:cTn>
+                  </p:par>
+                  <p:par>
+                    <p:cTn id="13" fill="hold">
+                      <p:stCondLst>
+                        <p:cond delay="indefinite"/>
+                      </p:stCondLst>
+                      <p:childTnLst>
+                        <p:par>
+                          <p:cTn id="14" fill="hold">
+                            <p:stCondLst>
+                              <p:cond delay="0"/>
+                            </p:stCondLst>
+                            <p:childTnLst>
+                              <p:par>
+                                <p:cTn id="15" presetID="10" presetClass="entr" presetSubtype="0" fill="hold" grpId="0" nodeType="clickEffect">
+                                  <p:stCondLst>
+                                    <p:cond delay="0"/>
+                                  </p:stCondLst>
+                                  <p:childTnLst>
+                                    <p:set>
+                                      <p:cBhvr>
+                                        <p:cTn id="16" dur="1" fill="hold">
+                                          <p:stCondLst>
+                                            <p:cond delay="0"/>
+                                          </p:stCondLst>
+                                        </p:cTn>
+                                        <p:tgtEl>
+                                          <p:spTgt spid="3">
+                                            <p:txEl>
+                                              <p:pRg st="4" end="4"/>
+                                            </p:txEl>
+                                          </p:spTgt>
+                                        </p:tgtEl>
+                                        <p:attrNameLst>
+                                          <p:attrName>style.visibility</p:attrName>
+                                        </p:attrNameLst>
+                                      </p:cBhvr>
+                                      <p:to>
+                                        <p:strVal val="visible"/>
+                                      </p:to>
+                                    </p:set>
+                                    <p:animEffect transition="in" filter="fade">
+                                      <p:cBhvr>
+                                        <p:cTn id="17" dur="500"/>
+                                        <p:tgtEl>
+                                          <p:spTgt spid="3">
+                                            <p:txEl>
+                                              <p:pRg st="4" end="4"/>
+                                            </p:txEl>
+                                          </p:spTgt>
+                                        </p:tgtEl>
+                                      </p:cBhvr>
+                                    </p:animEffect>
+                                  </p:childTnLst>
+                                </p:cTn>
+                              </p:par>
+                            </p:childTnLst>
+                          </p:cTn>
+                        </p:par>
+                      </p:childTnLst>
+                    </p:cTn>
+                  </p:par>
+                  <p:par>
+                    <p:cTn id="18" fill="hold">
+                      <p:stCondLst>
+                        <p:cond delay="indefinite"/>
+                      </p:stCondLst>
+                      <p:childTnLst>
+                        <p:par>
+                          <p:cTn id="19" fill="hold">
+                            <p:stCondLst>
+                              <p:cond delay="0"/>
+                            </p:stCondLst>
+                            <p:childTnLst>
+                              <p:par>
+                                <p:cTn id="20" presetID="10" presetClass="entr" presetSubtype="0" fill="hold" grpId="0" nodeType="clickEffect">
+                                  <p:stCondLst>
+                                    <p:cond delay="0"/>
+                                  </p:stCondLst>
+                                  <p:childTnLst>
+                                    <p:set>
+                                      <p:cBhvr>
+                                        <p:cTn id="21" dur="1" fill="hold">
+                                          <p:stCondLst>
+                                            <p:cond delay="0"/>
+                                          </p:stCondLst>
+                                        </p:cTn>
+                                        <p:tgtEl>
+                                          <p:spTgt spid="3">
+                                            <p:txEl>
+                                              <p:pRg st="5" end="5"/>
+                                            </p:txEl>
+                                          </p:spTgt>
+                                        </p:tgtEl>
+                                        <p:attrNameLst>
+                                          <p:attrName>style.visibility</p:attrName>
+                                        </p:attrNameLst>
+                                      </p:cBhvr>
+                                      <p:to>
+                                        <p:strVal val="visible"/>
+                                      </p:to>
+                                    </p:set>
+                                    <p:animEffect transition="in" filter="fade">
+                                      <p:cBhvr>
+                                        <p:cTn id="22" dur="500"/>
+                                        <p:tgtEl>
+                                          <p:spTgt spid="3">
+                                            <p:txEl>
+                                              <p:pRg st="5" end="5"/>
+                                            </p:txEl>
+                                          </p:spTgt>
+                                        </p:tgtEl>
+                                      </p:cBhvr>
+                                    </p:animEffect>
+                                  </p:childTnLst>
+                                </p:cTn>
+                              </p:par>
+                            </p:childTnLst>
+                          </p:cTn>
+                        </p:par>
+                      </p:childTnLst>
+                    </p:cTn>
+                  </p:par>
+                </p:childTnLst>
+              </p:cTn>
+              <p:prevCondLst>
+                <p:cond evt="onPrev" delay="0">
+                  <p:tgtEl>
+                    <p:sldTgt/>
+                  </p:tgtEl>
+                </p:cond>
+              </p:prevCondLst>
+              <p:nextCondLst>
+                <p:cond evt="onNext" delay="0">
+                  <p:tgtEl>
+                    <p:sldTgt/>
+                  </p:tgtEl>
+                </p:cond>
+              </p:nextCondLst>
+            </p:seq>
+          </p:childTnLst>
+        </p:cTn>
+      </p:par>
+    </p:tnLst>
+    <p:bldLst>
+      <p:bldP spid="3" grpId="0" uiExpand="1" build="p"/>
+    </p:bldLst>
+  </p:timing>
 </p:sld>
 </file>
 
